--- a/assets/CustomerSupportSystem_AnEmailToTheCustomer.pptx
+++ b/assets/CustomerSupportSystem_AnEmailToTheCustomer.pptx
@@ -19,30 +19,28 @@
     <p:sldId id="264" r:id="rId14"/>
     <p:sldId id="265" r:id="rId15"/>
     <p:sldId id="266" r:id="rId16"/>
-    <p:sldId id="267" r:id="rId17"/>
-    <p:sldId id="268" r:id="rId18"/>
   </p:sldIdLst>
   <p:sldSz cy="5143500" cx="9144000"/>
   <p:notesSz cx="6858000" cy="9144000"/>
   <p:embeddedFontLst>
     <p:embeddedFont>
       <p:font typeface="Roboto Slab"/>
-      <p:regular r:id="rId19"/>
-      <p:bold r:id="rId20"/>
+      <p:regular r:id="rId17"/>
+      <p:bold r:id="rId18"/>
     </p:embeddedFont>
     <p:embeddedFont>
       <p:font typeface="Montserrat"/>
-      <p:regular r:id="rId21"/>
-      <p:bold r:id="rId22"/>
-      <p:italic r:id="rId23"/>
-      <p:boldItalic r:id="rId24"/>
+      <p:regular r:id="rId19"/>
+      <p:bold r:id="rId20"/>
+      <p:italic r:id="rId21"/>
+      <p:boldItalic r:id="rId22"/>
     </p:embeddedFont>
     <p:embeddedFont>
       <p:font typeface="Lato"/>
-      <p:regular r:id="rId25"/>
-      <p:bold r:id="rId26"/>
-      <p:italic r:id="rId27"/>
-      <p:boldItalic r:id="rId28"/>
+      <p:regular r:id="rId23"/>
+      <p:bold r:id="rId24"/>
+      <p:italic r:id="rId25"/>
+      <p:boldItalic r:id="rId26"/>
     </p:embeddedFont>
   </p:embeddedFontLst>
   <p:defaultTextStyle>
@@ -823,7 +821,7 @@
   <p:cSld>
     <p:spTree>
       <p:nvGrpSpPr>
-        <p:cNvPr id="185" name="Shape 185"/>
+        <p:cNvPr id="184" name="Shape 184"/>
         <p:cNvGrpSpPr/>
         <p:nvPr/>
       </p:nvGrpSpPr>
@@ -837,7 +835,7 @@
       </p:grpSpPr>
       <p:sp>
         <p:nvSpPr>
-          <p:cNvPr id="186" name="Google Shape;186;g2fa7b6e494c_1_189:notes"/>
+          <p:cNvPr id="185" name="Google Shape;185;g2fa7b6e494c_1_189:notes"/>
           <p:cNvSpPr/>
           <p:nvPr>
             <p:ph idx="2" type="sldImg"/>
@@ -872,7 +870,7 @@
       </p:sp>
       <p:sp>
         <p:nvSpPr>
-          <p:cNvPr id="187" name="Google Shape;187;g2fa7b6e494c_1_189:notes"/>
+          <p:cNvPr id="186" name="Google Shape;186;g2fa7b6e494c_1_189:notes"/>
           <p:cNvSpPr txBox="1"/>
           <p:nvPr>
             <p:ph idx="1" type="body"/>
@@ -922,7 +920,7 @@
   <p:cSld>
     <p:spTree>
       <p:nvGrpSpPr>
-        <p:cNvPr id="191" name="Shape 191"/>
+        <p:cNvPr id="190" name="Shape 190"/>
         <p:cNvGrpSpPr/>
         <p:nvPr/>
       </p:nvGrpSpPr>
@@ -936,7 +934,7 @@
       </p:grpSpPr>
       <p:sp>
         <p:nvSpPr>
-          <p:cNvPr id="192" name="Google Shape;192;g2fa7b6e494c_1_195:notes"/>
+          <p:cNvPr id="191" name="Google Shape;191;g2fa7b6e494c_1_179:notes"/>
           <p:cNvSpPr/>
           <p:nvPr>
             <p:ph idx="2" type="sldImg"/>
@@ -971,205 +969,7 @@
       </p:sp>
       <p:sp>
         <p:nvSpPr>
-          <p:cNvPr id="193" name="Google Shape;193;g2fa7b6e494c_1_195:notes"/>
-          <p:cNvSpPr txBox="1"/>
-          <p:nvPr>
-            <p:ph idx="1" type="body"/>
-          </p:nvPr>
-        </p:nvSpPr>
-        <p:spPr>
-          <a:xfrm>
-            <a:off x="685800" y="4343400"/>
-            <a:ext cx="5486400" cy="4114800"/>
-          </a:xfrm>
-          <a:prstGeom prst="rect">
-            <a:avLst/>
-          </a:prstGeom>
-        </p:spPr>
-        <p:txBody>
-          <a:bodyPr anchorCtr="0" anchor="t" bIns="91425" lIns="91425" spcFirstLastPara="1" rIns="91425" wrap="square" tIns="91425">
-            <a:noAutofit/>
-          </a:bodyPr>
-          <a:lstStyle/>
-          <a:p>
-            <a:pPr indent="0" lvl="0" marL="0" rtl="0" algn="l">
-              <a:spcBef>
-                <a:spcPts val="0"/>
-              </a:spcBef>
-              <a:spcAft>
-                <a:spcPts val="0"/>
-              </a:spcAft>
-              <a:buNone/>
-            </a:pPr>
-            <a:r>
-              <a:t/>
-            </a:r>
-            <a:endParaRPr/>
-          </a:p>
-        </p:txBody>
-      </p:sp>
-    </p:spTree>
-  </p:cSld>
-  <p:clrMapOvr>
-    <a:masterClrMapping/>
-  </p:clrMapOvr>
-</p:notes>
-</file>
-
-<file path=ppt/notesSlides/notesSlide12.xml><?xml version="1.0" encoding="utf-8"?>
-<p:notes xmlns:a="http://schemas.openxmlformats.org/drawingml/2006/main" xmlns:r="http://schemas.openxmlformats.org/officeDocument/2006/relationships" xmlns:mc="http://schemas.openxmlformats.org/markup-compatibility/2006" xmlns:mv="urn:schemas-microsoft-com:mac:vml" xmlns:p="http://schemas.openxmlformats.org/presentationml/2006/main" xmlns:c="http://schemas.openxmlformats.org/drawingml/2006/chart" xmlns:dgm="http://schemas.openxmlformats.org/drawingml/2006/diagram" xmlns:o="urn:schemas-microsoft-com:office:office" xmlns:v="urn:schemas-microsoft-com:vml" xmlns:pvml="urn:schemas-microsoft-com:office:powerpoint" xmlns:com="http://schemas.openxmlformats.org/drawingml/2006/compatibility" xmlns:p14="http://schemas.microsoft.com/office/powerpoint/2010/main" xmlns:p15="http://schemas.microsoft.com/office/powerpoint/2012/main" xmlns:ahyp="http://schemas.microsoft.com/office/drawing/2018/hyperlinkcolor" showMasterPhAnim="0" showMasterSp="0">
-  <p:cSld>
-    <p:spTree>
-      <p:nvGrpSpPr>
-        <p:cNvPr id="197" name="Shape 197"/>
-        <p:cNvGrpSpPr/>
-        <p:nvPr/>
-      </p:nvGrpSpPr>
-      <p:grpSpPr>
-        <a:xfrm>
-          <a:off x="0" y="0"/>
-          <a:ext cx="0" cy="0"/>
-          <a:chOff x="0" y="0"/>
-          <a:chExt cx="0" cy="0"/>
-        </a:xfrm>
-      </p:grpSpPr>
-      <p:sp>
-        <p:nvSpPr>
-          <p:cNvPr id="198" name="Google Shape;198;g2fa7b6e494c_1_201:notes"/>
-          <p:cNvSpPr/>
-          <p:nvPr>
-            <p:ph idx="2" type="sldImg"/>
-          </p:nvPr>
-        </p:nvSpPr>
-        <p:spPr>
-          <a:xfrm>
-            <a:off x="381300" y="685800"/>
-            <a:ext cx="6096000" cy="3429000"/>
-          </a:xfrm>
-          <a:custGeom>
-            <a:rect b="b" l="l" r="r" t="t"/>
-            <a:pathLst>
-              <a:path extrusionOk="0" h="120000" w="120000">
-                <a:moveTo>
-                  <a:pt x="0" y="0"/>
-                </a:moveTo>
-                <a:lnTo>
-                  <a:pt x="120000" y="0"/>
-                </a:lnTo>
-                <a:lnTo>
-                  <a:pt x="120000" y="120000"/>
-                </a:lnTo>
-                <a:lnTo>
-                  <a:pt x="0" y="120000"/>
-                </a:lnTo>
-                <a:close/>
-              </a:path>
-            </a:pathLst>
-          </a:custGeom>
-        </p:spPr>
-      </p:sp>
-      <p:sp>
-        <p:nvSpPr>
-          <p:cNvPr id="199" name="Google Shape;199;g2fa7b6e494c_1_201:notes"/>
-          <p:cNvSpPr txBox="1"/>
-          <p:nvPr>
-            <p:ph idx="1" type="body"/>
-          </p:nvPr>
-        </p:nvSpPr>
-        <p:spPr>
-          <a:xfrm>
-            <a:off x="685800" y="4343400"/>
-            <a:ext cx="5486400" cy="4114800"/>
-          </a:xfrm>
-          <a:prstGeom prst="rect">
-            <a:avLst/>
-          </a:prstGeom>
-        </p:spPr>
-        <p:txBody>
-          <a:bodyPr anchorCtr="0" anchor="t" bIns="91425" lIns="91425" spcFirstLastPara="1" rIns="91425" wrap="square" tIns="91425">
-            <a:noAutofit/>
-          </a:bodyPr>
-          <a:lstStyle/>
-          <a:p>
-            <a:pPr indent="0" lvl="0" marL="0" rtl="0" algn="l">
-              <a:spcBef>
-                <a:spcPts val="0"/>
-              </a:spcBef>
-              <a:spcAft>
-                <a:spcPts val="0"/>
-              </a:spcAft>
-              <a:buNone/>
-            </a:pPr>
-            <a:r>
-              <a:t/>
-            </a:r>
-            <a:endParaRPr/>
-          </a:p>
-        </p:txBody>
-      </p:sp>
-    </p:spTree>
-  </p:cSld>
-  <p:clrMapOvr>
-    <a:masterClrMapping/>
-  </p:clrMapOvr>
-</p:notes>
-</file>
-
-<file path=ppt/notesSlides/notesSlide13.xml><?xml version="1.0" encoding="utf-8"?>
-<p:notes xmlns:a="http://schemas.openxmlformats.org/drawingml/2006/main" xmlns:r="http://schemas.openxmlformats.org/officeDocument/2006/relationships" xmlns:mc="http://schemas.openxmlformats.org/markup-compatibility/2006" xmlns:mv="urn:schemas-microsoft-com:mac:vml" xmlns:p="http://schemas.openxmlformats.org/presentationml/2006/main" xmlns:c="http://schemas.openxmlformats.org/drawingml/2006/chart" xmlns:dgm="http://schemas.openxmlformats.org/drawingml/2006/diagram" xmlns:o="urn:schemas-microsoft-com:office:office" xmlns:v="urn:schemas-microsoft-com:vml" xmlns:pvml="urn:schemas-microsoft-com:office:powerpoint" xmlns:com="http://schemas.openxmlformats.org/drawingml/2006/compatibility" xmlns:p14="http://schemas.microsoft.com/office/powerpoint/2010/main" xmlns:p15="http://schemas.microsoft.com/office/powerpoint/2012/main" xmlns:ahyp="http://schemas.microsoft.com/office/drawing/2018/hyperlinkcolor" showMasterPhAnim="0" showMasterSp="0">
-  <p:cSld>
-    <p:spTree>
-      <p:nvGrpSpPr>
-        <p:cNvPr id="203" name="Shape 203"/>
-        <p:cNvGrpSpPr/>
-        <p:nvPr/>
-      </p:nvGrpSpPr>
-      <p:grpSpPr>
-        <a:xfrm>
-          <a:off x="0" y="0"/>
-          <a:ext cx="0" cy="0"/>
-          <a:chOff x="0" y="0"/>
-          <a:chExt cx="0" cy="0"/>
-        </a:xfrm>
-      </p:grpSpPr>
-      <p:sp>
-        <p:nvSpPr>
-          <p:cNvPr id="204" name="Google Shape;204;g2fa7b6e494c_1_179:notes"/>
-          <p:cNvSpPr/>
-          <p:nvPr>
-            <p:ph idx="2" type="sldImg"/>
-          </p:nvPr>
-        </p:nvSpPr>
-        <p:spPr>
-          <a:xfrm>
-            <a:off x="381300" y="685800"/>
-            <a:ext cx="6096000" cy="3429000"/>
-          </a:xfrm>
-          <a:custGeom>
-            <a:rect b="b" l="l" r="r" t="t"/>
-            <a:pathLst>
-              <a:path extrusionOk="0" h="120000" w="120000">
-                <a:moveTo>
-                  <a:pt x="0" y="0"/>
-                </a:moveTo>
-                <a:lnTo>
-                  <a:pt x="120000" y="0"/>
-                </a:lnTo>
-                <a:lnTo>
-                  <a:pt x="120000" y="120000"/>
-                </a:lnTo>
-                <a:lnTo>
-                  <a:pt x="0" y="120000"/>
-                </a:lnTo>
-                <a:close/>
-              </a:path>
-            </a:pathLst>
-          </a:custGeom>
-        </p:spPr>
-      </p:sp>
-      <p:sp>
-        <p:nvSpPr>
-          <p:cNvPr id="205" name="Google Shape;205;g2fa7b6e494c_1_179:notes"/>
+          <p:cNvPr id="192" name="Google Shape;192;g2fa7b6e494c_1_179:notes"/>
           <p:cNvSpPr txBox="1"/>
           <p:nvPr>
             <p:ph idx="1" type="body"/>
@@ -10303,7 +10103,7 @@
   <p:cSld>
     <p:spTree>
       <p:nvGrpSpPr>
-        <p:cNvPr id="188" name="Shape 188"/>
+        <p:cNvPr id="187" name="Shape 187"/>
         <p:cNvGrpSpPr/>
         <p:nvPr/>
       </p:nvGrpSpPr>
@@ -10317,7 +10117,7 @@
       </p:grpSpPr>
       <p:sp>
         <p:nvSpPr>
-          <p:cNvPr id="189" name="Google Shape;189;p22"/>
+          <p:cNvPr id="188" name="Google Shape;188;p22"/>
           <p:cNvSpPr txBox="1"/>
           <p:nvPr>
             <p:ph idx="1" type="body"/>
@@ -10325,8 +10125,8 @@
         </p:nvSpPr>
         <p:spPr>
           <a:xfrm>
-            <a:off x="1297500" y="533025"/>
-            <a:ext cx="7038900" cy="4255500"/>
+            <a:off x="1297500" y="472475"/>
+            <a:ext cx="7038900" cy="4316100"/>
           </a:xfrm>
           <a:prstGeom prst="rect">
             <a:avLst/>
@@ -10356,7 +10156,7 @@
       </p:sp>
       <p:pic>
         <p:nvPicPr>
-          <p:cNvPr id="190" name="Google Shape;190;p22"/>
+          <p:cNvPr id="189" name="Google Shape;189;p22"/>
           <p:cNvPicPr preferRelativeResize="0"/>
           <p:nvPr/>
         </p:nvPicPr>
@@ -10370,8 +10170,8 @@
         </p:blipFill>
         <p:spPr>
           <a:xfrm>
-            <a:off x="1297500" y="533025"/>
-            <a:ext cx="7038899" cy="4255625"/>
+            <a:off x="1297500" y="472425"/>
+            <a:ext cx="7038899" cy="4316099"/>
           </a:xfrm>
           <a:prstGeom prst="rect">
             <a:avLst/>
@@ -10395,7 +10195,7 @@
   <p:cSld>
     <p:spTree>
       <p:nvGrpSpPr>
-        <p:cNvPr id="194" name="Shape 194"/>
+        <p:cNvPr id="193" name="Shape 193"/>
         <p:cNvGrpSpPr/>
         <p:nvPr/>
       </p:nvGrpSpPr>
@@ -10409,191 +10209,7 @@
       </p:grpSpPr>
       <p:sp>
         <p:nvSpPr>
-          <p:cNvPr id="195" name="Google Shape;195;p23"/>
-          <p:cNvSpPr txBox="1"/>
-          <p:nvPr>
-            <p:ph idx="1" type="body"/>
-          </p:nvPr>
-        </p:nvSpPr>
-        <p:spPr>
-          <a:xfrm>
-            <a:off x="1297500" y="487825"/>
-            <a:ext cx="7038900" cy="4172700"/>
-          </a:xfrm>
-          <a:prstGeom prst="rect">
-            <a:avLst/>
-          </a:prstGeom>
-        </p:spPr>
-        <p:txBody>
-          <a:bodyPr anchorCtr="0" anchor="t" bIns="91425" lIns="91425" spcFirstLastPara="1" rIns="91425" wrap="square" tIns="91425">
-            <a:normAutofit/>
-          </a:bodyPr>
-          <a:lstStyle/>
-          <a:p>
-            <a:pPr indent="0" lvl="0" marL="0" rtl="0" algn="l">
-              <a:spcBef>
-                <a:spcPts val="0"/>
-              </a:spcBef>
-              <a:spcAft>
-                <a:spcPts val="1200"/>
-              </a:spcAft>
-              <a:buNone/>
-            </a:pPr>
-            <a:r>
-              <a:t/>
-            </a:r>
-            <a:endParaRPr/>
-          </a:p>
-        </p:txBody>
-      </p:sp>
-      <p:pic>
-        <p:nvPicPr>
-          <p:cNvPr id="196" name="Google Shape;196;p23"/>
-          <p:cNvPicPr preferRelativeResize="0"/>
-          <p:nvPr/>
-        </p:nvPicPr>
-        <p:blipFill>
-          <a:blip r:embed="rId3">
-            <a:alphaModFix/>
-          </a:blip>
-          <a:stretch>
-            <a:fillRect/>
-          </a:stretch>
-        </p:blipFill>
-        <p:spPr>
-          <a:xfrm>
-            <a:off x="1333200" y="487825"/>
-            <a:ext cx="7003203" cy="4172700"/>
-          </a:xfrm>
-          <a:prstGeom prst="rect">
-            <a:avLst/>
-          </a:prstGeom>
-          <a:noFill/>
-          <a:ln>
-            <a:noFill/>
-          </a:ln>
-        </p:spPr>
-      </p:pic>
-    </p:spTree>
-  </p:cSld>
-  <p:clrMapOvr>
-    <a:masterClrMapping/>
-  </p:clrMapOvr>
-</p:sld>
-</file>
-
-<file path=ppt/slides/slide12.xml><?xml version="1.0" encoding="utf-8"?>
-<p:sld xmlns:a="http://schemas.openxmlformats.org/drawingml/2006/main" xmlns:r="http://schemas.openxmlformats.org/officeDocument/2006/relationships" xmlns:mc="http://schemas.openxmlformats.org/markup-compatibility/2006" xmlns:mv="urn:schemas-microsoft-com:mac:vml" xmlns:p="http://schemas.openxmlformats.org/presentationml/2006/main" xmlns:c="http://schemas.openxmlformats.org/drawingml/2006/chart" xmlns:dgm="http://schemas.openxmlformats.org/drawingml/2006/diagram" xmlns:o="urn:schemas-microsoft-com:office:office" xmlns:v="urn:schemas-microsoft-com:vml" xmlns:pvml="urn:schemas-microsoft-com:office:powerpoint" xmlns:com="http://schemas.openxmlformats.org/drawingml/2006/compatibility" xmlns:p14="http://schemas.microsoft.com/office/powerpoint/2010/main" xmlns:p15="http://schemas.microsoft.com/office/powerpoint/2012/main" xmlns:ahyp="http://schemas.microsoft.com/office/drawing/2018/hyperlinkcolor">
-  <p:cSld>
-    <p:spTree>
-      <p:nvGrpSpPr>
-        <p:cNvPr id="200" name="Shape 200"/>
-        <p:cNvGrpSpPr/>
-        <p:nvPr/>
-      </p:nvGrpSpPr>
-      <p:grpSpPr>
-        <a:xfrm>
-          <a:off x="0" y="0"/>
-          <a:ext cx="0" cy="0"/>
-          <a:chOff x="0" y="0"/>
-          <a:chExt cx="0" cy="0"/>
-        </a:xfrm>
-      </p:grpSpPr>
-      <p:sp>
-        <p:nvSpPr>
-          <p:cNvPr id="201" name="Google Shape;201;p24"/>
-          <p:cNvSpPr txBox="1"/>
-          <p:nvPr>
-            <p:ph idx="1" type="body"/>
-          </p:nvPr>
-        </p:nvSpPr>
-        <p:spPr>
-          <a:xfrm>
-            <a:off x="1275825" y="427575"/>
-            <a:ext cx="7060500" cy="4051200"/>
-          </a:xfrm>
-          <a:prstGeom prst="rect">
-            <a:avLst/>
-          </a:prstGeom>
-        </p:spPr>
-        <p:txBody>
-          <a:bodyPr anchorCtr="0" anchor="t" bIns="91425" lIns="91425" spcFirstLastPara="1" rIns="91425" wrap="square" tIns="91425">
-            <a:normAutofit/>
-          </a:bodyPr>
-          <a:lstStyle/>
-          <a:p>
-            <a:pPr indent="0" lvl="0" marL="0" rtl="0" algn="l">
-              <a:spcBef>
-                <a:spcPts val="0"/>
-              </a:spcBef>
-              <a:spcAft>
-                <a:spcPts val="1200"/>
-              </a:spcAft>
-              <a:buNone/>
-            </a:pPr>
-            <a:r>
-              <a:t/>
-            </a:r>
-            <a:endParaRPr/>
-          </a:p>
-        </p:txBody>
-      </p:sp>
-      <p:pic>
-        <p:nvPicPr>
-          <p:cNvPr id="202" name="Google Shape;202;p24"/>
-          <p:cNvPicPr preferRelativeResize="0"/>
-          <p:nvPr/>
-        </p:nvPicPr>
-        <p:blipFill>
-          <a:blip r:embed="rId3">
-            <a:alphaModFix/>
-          </a:blip>
-          <a:stretch>
-            <a:fillRect/>
-          </a:stretch>
-        </p:blipFill>
-        <p:spPr>
-          <a:xfrm>
-            <a:off x="1275825" y="427575"/>
-            <a:ext cx="7060500" cy="4172800"/>
-          </a:xfrm>
-          <a:prstGeom prst="rect">
-            <a:avLst/>
-          </a:prstGeom>
-          <a:noFill/>
-          <a:ln>
-            <a:noFill/>
-          </a:ln>
-        </p:spPr>
-      </p:pic>
-    </p:spTree>
-  </p:cSld>
-  <p:clrMapOvr>
-    <a:masterClrMapping/>
-  </p:clrMapOvr>
-</p:sld>
-</file>
-
-<file path=ppt/slides/slide13.xml><?xml version="1.0" encoding="utf-8"?>
-<p:sld xmlns:a="http://schemas.openxmlformats.org/drawingml/2006/main" xmlns:r="http://schemas.openxmlformats.org/officeDocument/2006/relationships" xmlns:mc="http://schemas.openxmlformats.org/markup-compatibility/2006" xmlns:mv="urn:schemas-microsoft-com:mac:vml" xmlns:p="http://schemas.openxmlformats.org/presentationml/2006/main" xmlns:c="http://schemas.openxmlformats.org/drawingml/2006/chart" xmlns:dgm="http://schemas.openxmlformats.org/drawingml/2006/diagram" xmlns:o="urn:schemas-microsoft-com:office:office" xmlns:v="urn:schemas-microsoft-com:vml" xmlns:pvml="urn:schemas-microsoft-com:office:powerpoint" xmlns:com="http://schemas.openxmlformats.org/drawingml/2006/compatibility" xmlns:p14="http://schemas.microsoft.com/office/powerpoint/2010/main" xmlns:p15="http://schemas.microsoft.com/office/powerpoint/2012/main" xmlns:ahyp="http://schemas.microsoft.com/office/drawing/2018/hyperlinkcolor">
-  <p:cSld>
-    <p:spTree>
-      <p:nvGrpSpPr>
-        <p:cNvPr id="206" name="Shape 206"/>
-        <p:cNvGrpSpPr/>
-        <p:nvPr/>
-      </p:nvGrpSpPr>
-      <p:grpSpPr>
-        <a:xfrm>
-          <a:off x="0" y="0"/>
-          <a:ext cx="0" cy="0"/>
-          <a:chOff x="0" y="0"/>
-          <a:chExt cx="0" cy="0"/>
-        </a:xfrm>
-      </p:grpSpPr>
-      <p:sp>
-        <p:nvSpPr>
-          <p:cNvPr id="207" name="Google Shape;207;p25"/>
+          <p:cNvPr id="194" name="Google Shape;194;p23"/>
           <p:cNvSpPr txBox="1"/>
           <p:nvPr>
             <p:ph type="title"/>
@@ -10633,7 +10249,7 @@
       </p:sp>
       <p:sp>
         <p:nvSpPr>
-          <p:cNvPr id="208" name="Google Shape;208;p25"/>
+          <p:cNvPr id="195" name="Google Shape;195;p23"/>
           <p:cNvSpPr txBox="1"/>
           <p:nvPr>
             <p:ph idx="1" type="body"/>
@@ -12888,8 +12504,8 @@
         </p:nvSpPr>
         <p:spPr>
           <a:xfrm>
-            <a:off x="289100" y="1567550"/>
-            <a:ext cx="8481000" cy="3341700"/>
+            <a:off x="1432250" y="1126325"/>
+            <a:ext cx="7338000" cy="3783000"/>
           </a:xfrm>
           <a:prstGeom prst="rect">
             <a:avLst/>
@@ -12933,36 +12549,8 @@
         </p:blipFill>
         <p:spPr>
           <a:xfrm>
-            <a:off x="289100" y="1567550"/>
-            <a:ext cx="4282900" cy="3341700"/>
-          </a:xfrm>
-          <a:prstGeom prst="rect">
-            <a:avLst/>
-          </a:prstGeom>
-          <a:noFill/>
-          <a:ln>
-            <a:noFill/>
-          </a:ln>
-        </p:spPr>
-      </p:pic>
-      <p:pic>
-        <p:nvPicPr>
-          <p:cNvPr id="184" name="Google Shape;184;p21"/>
-          <p:cNvPicPr preferRelativeResize="0"/>
-          <p:nvPr/>
-        </p:nvPicPr>
-        <p:blipFill>
-          <a:blip r:embed="rId4">
-            <a:alphaModFix/>
-          </a:blip>
-          <a:stretch>
-            <a:fillRect/>
-          </a:stretch>
-        </p:blipFill>
-        <p:spPr>
-          <a:xfrm>
-            <a:off x="4680325" y="1567550"/>
-            <a:ext cx="4089851" cy="3341700"/>
+            <a:off x="1432250" y="1126325"/>
+            <a:ext cx="7337999" cy="3783001"/>
           </a:xfrm>
           <a:prstGeom prst="rect">
             <a:avLst/>
